--- a/fsharp_demo.pptx
+++ b/fsharp_demo.pptx
@@ -113,6 +113,11 @@
       </a:defRPr>
     </a:lvl9pPr>
   </p:defaultTextStyle>
+  <p:extLst>
+    <p:ext uri="{EFAFB233-063F-42B5-8137-9DF3F51BA10A}">
+      <p15:sldGuideLst xmlns:p15="http://schemas.microsoft.com/office/powerpoint/2012/main"/>
+    </p:ext>
+  </p:extLst>
 </p:presentation>
 </file>
 
@@ -247,7 +252,7 @@
           <a:p>
             <a:fld id="{62F307CD-7CAC-433E-87A5-952A25A3A255}" type="datetimeFigureOut">
               <a:rPr lang="en-US" smtClean="0"/>
-              <a:t>2/18/2014</a:t>
+              <a:t>2/25/2014</a:t>
             </a:fld>
             <a:endParaRPr lang="en-US"/>
           </a:p>
@@ -417,7 +422,7 @@
           <a:p>
             <a:fld id="{62F307CD-7CAC-433E-87A5-952A25A3A255}" type="datetimeFigureOut">
               <a:rPr lang="en-US" smtClean="0"/>
-              <a:t>2/18/2014</a:t>
+              <a:t>2/25/2014</a:t>
             </a:fld>
             <a:endParaRPr lang="en-US"/>
           </a:p>
@@ -597,7 +602,7 @@
           <a:p>
             <a:fld id="{62F307CD-7CAC-433E-87A5-952A25A3A255}" type="datetimeFigureOut">
               <a:rPr lang="en-US" smtClean="0"/>
-              <a:t>2/18/2014</a:t>
+              <a:t>2/25/2014</a:t>
             </a:fld>
             <a:endParaRPr lang="en-US"/>
           </a:p>
@@ -767,7 +772,7 @@
           <a:p>
             <a:fld id="{62F307CD-7CAC-433E-87A5-952A25A3A255}" type="datetimeFigureOut">
               <a:rPr lang="en-US" smtClean="0"/>
-              <a:t>2/18/2014</a:t>
+              <a:t>2/25/2014</a:t>
             </a:fld>
             <a:endParaRPr lang="en-US"/>
           </a:p>
@@ -1013,7 +1018,7 @@
           <a:p>
             <a:fld id="{62F307CD-7CAC-433E-87A5-952A25A3A255}" type="datetimeFigureOut">
               <a:rPr lang="en-US" smtClean="0"/>
-              <a:t>2/18/2014</a:t>
+              <a:t>2/25/2014</a:t>
             </a:fld>
             <a:endParaRPr lang="en-US"/>
           </a:p>
@@ -1245,7 +1250,7 @@
           <a:p>
             <a:fld id="{62F307CD-7CAC-433E-87A5-952A25A3A255}" type="datetimeFigureOut">
               <a:rPr lang="en-US" smtClean="0"/>
-              <a:t>2/18/2014</a:t>
+              <a:t>2/25/2014</a:t>
             </a:fld>
             <a:endParaRPr lang="en-US"/>
           </a:p>
@@ -1612,7 +1617,7 @@
           <a:p>
             <a:fld id="{62F307CD-7CAC-433E-87A5-952A25A3A255}" type="datetimeFigureOut">
               <a:rPr lang="en-US" smtClean="0"/>
-              <a:t>2/18/2014</a:t>
+              <a:t>2/25/2014</a:t>
             </a:fld>
             <a:endParaRPr lang="en-US"/>
           </a:p>
@@ -1730,7 +1735,7 @@
           <a:p>
             <a:fld id="{62F307CD-7CAC-433E-87A5-952A25A3A255}" type="datetimeFigureOut">
               <a:rPr lang="en-US" smtClean="0"/>
-              <a:t>2/18/2014</a:t>
+              <a:t>2/25/2014</a:t>
             </a:fld>
             <a:endParaRPr lang="en-US"/>
           </a:p>
@@ -1825,7 +1830,7 @@
           <a:p>
             <a:fld id="{62F307CD-7CAC-433E-87A5-952A25A3A255}" type="datetimeFigureOut">
               <a:rPr lang="en-US" smtClean="0"/>
-              <a:t>2/18/2014</a:t>
+              <a:t>2/25/2014</a:t>
             </a:fld>
             <a:endParaRPr lang="en-US"/>
           </a:p>
@@ -2102,7 +2107,7 @@
           <a:p>
             <a:fld id="{62F307CD-7CAC-433E-87A5-952A25A3A255}" type="datetimeFigureOut">
               <a:rPr lang="en-US" smtClean="0"/>
-              <a:t>2/18/2014</a:t>
+              <a:t>2/25/2014</a:t>
             </a:fld>
             <a:endParaRPr lang="en-US"/>
           </a:p>
@@ -2355,7 +2360,7 @@
           <a:p>
             <a:fld id="{62F307CD-7CAC-433E-87A5-952A25A3A255}" type="datetimeFigureOut">
               <a:rPr lang="en-US" smtClean="0"/>
-              <a:t>2/18/2014</a:t>
+              <a:t>2/25/2014</a:t>
             </a:fld>
             <a:endParaRPr lang="en-US"/>
           </a:p>
@@ -2568,7 +2573,7 @@
           <a:p>
             <a:fld id="{62F307CD-7CAC-433E-87A5-952A25A3A255}" type="datetimeFigureOut">
               <a:rPr lang="en-US" smtClean="0"/>
-              <a:t>2/18/2014</a:t>
+              <a:t>2/25/2014</a:t>
             </a:fld>
             <a:endParaRPr lang="en-US"/>
           </a:p>
@@ -3379,8 +3384,12 @@
           </a:p>
           <a:p>
             <a:r>
-              <a:rPr lang="en-US" dirty="0" smtClean="0"/>
-              <a:t>Verbose, indentation based syntax</a:t>
+              <a:rPr lang="en-US" smtClean="0"/>
+              <a:t>Terse, </a:t>
+            </a:r>
+            <a:r>
+              <a:rPr lang="en-US" dirty="0" smtClean="0"/>
+              <a:t>indentation based syntax</a:t>
             </a:r>
             <a:endParaRPr lang="en-US" dirty="0"/>
           </a:p>
@@ -4055,7 +4064,6 @@
               <a:rPr lang="en-US" dirty="0" smtClean="0"/>
               <a:t> &amp; parallel stuff</a:t>
             </a:r>
-            <a:endParaRPr lang="en-US" dirty="0" smtClean="0"/>
           </a:p>
           <a:p>
             <a:pPr lvl="1"/>
@@ -4088,15 +4096,7 @@
             <a:pPr lvl="1"/>
             <a:r>
               <a:rPr lang="en-US" sz="2000" dirty="0" smtClean="0"/>
-              <a:t>Bit more advanced: Active Patterns, </a:t>
-            </a:r>
-            <a:r>
-              <a:rPr lang="en-US" sz="2000" dirty="0" smtClean="0"/>
-              <a:t>Computation Expressions (monads) </a:t>
-            </a:r>
-            <a:r>
-              <a:rPr lang="en-US" sz="2000" dirty="0" smtClean="0"/>
-              <a:t> </a:t>
+              <a:t>Bit more advanced: Active Patterns, Computation Expressions (monads)  </a:t>
             </a:r>
           </a:p>
           <a:p>
